--- a/팀PPT/김현수01.pptx
+++ b/팀PPT/김현수01.pptx
@@ -7,8 +7,9 @@
   <p:sldIdLst>
     <p:sldId id="256" r:id="rId2"/>
     <p:sldId id="257" r:id="rId3"/>
+    <p:sldId id="258" r:id="rId4"/>
   </p:sldIdLst>
-  <p:sldSz cx="18288000" cy="10287000" type="screen4x3"/>
+  <p:sldSz cx="18288000" cy="10287000"/>
   <p:notesSz cx="10287000" cy="18288000"/>
   <p:defaultTextStyle>
     <a:defPPr>
@@ -107,7 +108,18 @@
   </p:defaultTextStyle>
   <p:extLst>
     <p:ext uri="{EFAFB233-063F-42B5-8137-9DF3F51BA10A}">
-      <p15:sldGuideLst xmlns:p15="http://schemas.microsoft.com/office/powerpoint/2012/main"/>
+      <p15:sldGuideLst xmlns:p15="http://schemas.microsoft.com/office/powerpoint/2012/main">
+        <p15:guide id="1" orient="horz" pos="2160">
+          <p15:clr>
+            <a:srgbClr val="A4A3A4"/>
+          </p15:clr>
+        </p15:guide>
+        <p15:guide id="2" pos="2880">
+          <p15:clr>
+            <a:srgbClr val="A4A3A4"/>
+          </p15:clr>
+        </p15:guide>
+      </p15:sldGuideLst>
     </p:ext>
   </p:extLst>
 </p:presentation>
@@ -151,10 +163,9 @@
           <a:lstStyle/>
           <a:p>
             <a:r>
-              <a:rPr lang="en-US" smtClean="0"/>
+              <a:rPr lang="en-US"/>
               <a:t>Click to edit Master title style</a:t>
             </a:r>
-            <a:endParaRPr lang="en-US"/>
           </a:p>
         </p:txBody>
       </p:sp>
@@ -270,10 +281,9 @@
           </a:lstStyle>
           <a:p>
             <a:r>
-              <a:rPr lang="en-US" smtClean="0"/>
+              <a:rPr lang="en-US"/>
               <a:t>Click to edit Master subtitle style</a:t>
             </a:r>
-            <a:endParaRPr lang="en-US"/>
           </a:p>
         </p:txBody>
       </p:sp>
@@ -383,10 +393,9 @@
           <a:lstStyle/>
           <a:p>
             <a:r>
-              <a:rPr lang="en-US" smtClean="0"/>
+              <a:rPr lang="en-US"/>
               <a:t>Click to edit Master title style</a:t>
             </a:r>
-            <a:endParaRPr lang="en-US"/>
           </a:p>
         </p:txBody>
       </p:sp>
@@ -407,38 +416,37 @@
           <a:p>
             <a:pPr lvl="0"/>
             <a:r>
-              <a:rPr lang="en-US" smtClean="0"/>
+              <a:rPr lang="en-US"/>
               <a:t>Click to edit Master text styles</a:t>
             </a:r>
           </a:p>
           <a:p>
             <a:pPr lvl="1"/>
             <a:r>
-              <a:rPr lang="en-US" smtClean="0"/>
+              <a:rPr lang="en-US"/>
               <a:t>Second level</a:t>
             </a:r>
           </a:p>
           <a:p>
             <a:pPr lvl="2"/>
             <a:r>
-              <a:rPr lang="en-US" smtClean="0"/>
+              <a:rPr lang="en-US"/>
               <a:t>Third level</a:t>
             </a:r>
           </a:p>
           <a:p>
             <a:pPr lvl="3"/>
             <a:r>
-              <a:rPr lang="en-US" smtClean="0"/>
+              <a:rPr lang="en-US"/>
               <a:t>Fourth level</a:t>
             </a:r>
           </a:p>
           <a:p>
             <a:pPr lvl="4"/>
             <a:r>
-              <a:rPr lang="en-US" smtClean="0"/>
+              <a:rPr lang="en-US"/>
               <a:t>Fifth level</a:t>
             </a:r>
-            <a:endParaRPr lang="en-US"/>
           </a:p>
         </p:txBody>
       </p:sp>
@@ -459,7 +467,7 @@
           <a:p>
             <a:fld id="{A76116CE-C4A3-4A05-B2D7-7C2E9A889C0F}" type="datetimeFigureOut">
               <a:rPr lang="en-US" smtClean="0"/>
-              <a:t>1/30/2017</a:t>
+              <a:t>8/31/2021</a:t>
             </a:fld>
             <a:endParaRPr lang="en-US"/>
           </a:p>
@@ -553,10 +561,9 @@
           <a:lstStyle/>
           <a:p>
             <a:r>
-              <a:rPr lang="en-US" smtClean="0"/>
+              <a:rPr lang="en-US"/>
               <a:t>Click to edit Master title style</a:t>
             </a:r>
-            <a:endParaRPr lang="en-US"/>
           </a:p>
         </p:txBody>
       </p:sp>
@@ -582,38 +589,37 @@
           <a:p>
             <a:pPr lvl="0"/>
             <a:r>
-              <a:rPr lang="en-US" smtClean="0"/>
+              <a:rPr lang="en-US"/>
               <a:t>Click to edit Master text styles</a:t>
             </a:r>
           </a:p>
           <a:p>
             <a:pPr lvl="1"/>
             <a:r>
-              <a:rPr lang="en-US" smtClean="0"/>
+              <a:rPr lang="en-US"/>
               <a:t>Second level</a:t>
             </a:r>
           </a:p>
           <a:p>
             <a:pPr lvl="2"/>
             <a:r>
-              <a:rPr lang="en-US" smtClean="0"/>
+              <a:rPr lang="en-US"/>
               <a:t>Third level</a:t>
             </a:r>
           </a:p>
           <a:p>
             <a:pPr lvl="3"/>
             <a:r>
-              <a:rPr lang="en-US" smtClean="0"/>
+              <a:rPr lang="en-US"/>
               <a:t>Fourth level</a:t>
             </a:r>
           </a:p>
           <a:p>
             <a:pPr lvl="4"/>
             <a:r>
-              <a:rPr lang="en-US" smtClean="0"/>
+              <a:rPr lang="en-US"/>
               <a:t>Fifth level</a:t>
             </a:r>
-            <a:endParaRPr lang="en-US"/>
           </a:p>
         </p:txBody>
       </p:sp>
@@ -634,7 +640,7 @@
           <a:p>
             <a:fld id="{A76116CE-C4A3-4A05-B2D7-7C2E9A889C0F}" type="datetimeFigureOut">
               <a:rPr lang="en-US" smtClean="0"/>
-              <a:t>1/30/2017</a:t>
+              <a:t>8/31/2021</a:t>
             </a:fld>
             <a:endParaRPr lang="en-US"/>
           </a:p>
@@ -723,10 +729,9 @@
           <a:lstStyle/>
           <a:p>
             <a:r>
-              <a:rPr lang="en-US" smtClean="0"/>
+              <a:rPr lang="en-US"/>
               <a:t>Click to edit Master title style</a:t>
             </a:r>
-            <a:endParaRPr lang="en-US"/>
           </a:p>
         </p:txBody>
       </p:sp>
@@ -749,38 +754,37 @@
               <a:buChar char="•"/>
             </a:pPr>
             <a:r>
-              <a:rPr lang="en-US" smtClean="0"/>
+              <a:rPr lang="en-US"/>
               <a:t>Click to edit Master text styles</a:t>
             </a:r>
           </a:p>
           <a:p>
             <a:pPr lvl="1"/>
             <a:r>
-              <a:rPr lang="en-US" smtClean="0"/>
+              <a:rPr lang="en-US"/>
               <a:t>Second level</a:t>
             </a:r>
           </a:p>
           <a:p>
             <a:pPr lvl="2"/>
             <a:r>
-              <a:rPr lang="en-US" smtClean="0"/>
+              <a:rPr lang="en-US"/>
               <a:t>Third level</a:t>
             </a:r>
           </a:p>
           <a:p>
             <a:pPr lvl="3"/>
             <a:r>
-              <a:rPr lang="en-US" smtClean="0"/>
+              <a:rPr lang="en-US"/>
               <a:t>Fourth level</a:t>
             </a:r>
           </a:p>
           <a:p>
             <a:pPr lvl="4"/>
             <a:r>
-              <a:rPr lang="en-US" smtClean="0"/>
+              <a:rPr lang="en-US"/>
               <a:t>Fifth level</a:t>
             </a:r>
-            <a:endParaRPr lang="en-US"/>
           </a:p>
         </p:txBody>
       </p:sp>
@@ -899,10 +903,9 @@
           </a:lstStyle>
           <a:p>
             <a:r>
-              <a:rPr lang="en-US" smtClean="0"/>
+              <a:rPr lang="en-US"/>
               <a:t>Click to edit Master title style</a:t>
             </a:r>
-            <a:endParaRPr lang="en-US"/>
           </a:p>
         </p:txBody>
       </p:sp>
@@ -1019,7 +1022,7 @@
           <a:p>
             <a:pPr lvl="0"/>
             <a:r>
-              <a:rPr lang="en-US" smtClean="0"/>
+              <a:rPr lang="en-US"/>
               <a:t>Click to edit Master text styles</a:t>
             </a:r>
           </a:p>
@@ -1131,10 +1134,9 @@
           <a:lstStyle/>
           <a:p>
             <a:r>
-              <a:rPr lang="en-US" smtClean="0"/>
+              <a:rPr lang="en-US"/>
               <a:t>Click to edit Master title style</a:t>
             </a:r>
-            <a:endParaRPr lang="en-US"/>
           </a:p>
         </p:txBody>
       </p:sp>
@@ -1188,38 +1190,37 @@
           <a:p>
             <a:pPr lvl="0"/>
             <a:r>
-              <a:rPr lang="en-US" smtClean="0"/>
+              <a:rPr lang="en-US"/>
               <a:t>Click to edit Master text styles</a:t>
             </a:r>
           </a:p>
           <a:p>
             <a:pPr lvl="1"/>
             <a:r>
-              <a:rPr lang="en-US" smtClean="0"/>
+              <a:rPr lang="en-US"/>
               <a:t>Second level</a:t>
             </a:r>
           </a:p>
           <a:p>
             <a:pPr lvl="2"/>
             <a:r>
-              <a:rPr lang="en-US" smtClean="0"/>
+              <a:rPr lang="en-US"/>
               <a:t>Third level</a:t>
             </a:r>
           </a:p>
           <a:p>
             <a:pPr lvl="3"/>
             <a:r>
-              <a:rPr lang="en-US" smtClean="0"/>
+              <a:rPr lang="en-US"/>
               <a:t>Fourth level</a:t>
             </a:r>
           </a:p>
           <a:p>
             <a:pPr lvl="4"/>
             <a:r>
-              <a:rPr lang="en-US" smtClean="0"/>
+              <a:rPr lang="en-US"/>
               <a:t>Fifth level</a:t>
             </a:r>
-            <a:endParaRPr lang="en-US"/>
           </a:p>
         </p:txBody>
       </p:sp>
@@ -1273,38 +1274,37 @@
           <a:p>
             <a:pPr lvl="0"/>
             <a:r>
-              <a:rPr lang="en-US" smtClean="0"/>
+              <a:rPr lang="en-US"/>
               <a:t>Click to edit Master text styles</a:t>
             </a:r>
           </a:p>
           <a:p>
             <a:pPr lvl="1"/>
             <a:r>
-              <a:rPr lang="en-US" smtClean="0"/>
+              <a:rPr lang="en-US"/>
               <a:t>Second level</a:t>
             </a:r>
           </a:p>
           <a:p>
             <a:pPr lvl="2"/>
             <a:r>
-              <a:rPr lang="en-US" smtClean="0"/>
+              <a:rPr lang="en-US"/>
               <a:t>Third level</a:t>
             </a:r>
           </a:p>
           <a:p>
             <a:pPr lvl="3"/>
             <a:r>
-              <a:rPr lang="en-US" smtClean="0"/>
+              <a:rPr lang="en-US"/>
               <a:t>Fourth level</a:t>
             </a:r>
           </a:p>
           <a:p>
             <a:pPr lvl="4"/>
             <a:r>
-              <a:rPr lang="en-US" smtClean="0"/>
+              <a:rPr lang="en-US"/>
               <a:t>Fifth level</a:t>
             </a:r>
-            <a:endParaRPr lang="en-US"/>
           </a:p>
         </p:txBody>
       </p:sp>
@@ -1325,7 +1325,7 @@
           <a:p>
             <a:fld id="{A76116CE-C4A3-4A05-B2D7-7C2E9A889C0F}" type="datetimeFigureOut">
               <a:rPr lang="en-US" smtClean="0"/>
-              <a:t>1/30/2017</a:t>
+              <a:t>8/31/2021</a:t>
             </a:fld>
             <a:endParaRPr lang="en-US"/>
           </a:p>
@@ -1418,10 +1418,9 @@
           </a:lstStyle>
           <a:p>
             <a:r>
-              <a:rPr lang="en-US" smtClean="0"/>
+              <a:rPr lang="en-US"/>
               <a:t>Click to edit Master title style</a:t>
             </a:r>
-            <a:endParaRPr lang="en-US"/>
           </a:p>
         </p:txBody>
       </p:sp>
@@ -1484,7 +1483,7 @@
           <a:p>
             <a:pPr lvl="0"/>
             <a:r>
-              <a:rPr lang="en-US" smtClean="0"/>
+              <a:rPr lang="en-US"/>
               <a:t>Click to edit Master text styles</a:t>
             </a:r>
           </a:p>
@@ -1540,38 +1539,37 @@
           <a:p>
             <a:pPr lvl="0"/>
             <a:r>
-              <a:rPr lang="en-US" smtClean="0"/>
+              <a:rPr lang="en-US"/>
               <a:t>Click to edit Master text styles</a:t>
             </a:r>
           </a:p>
           <a:p>
             <a:pPr lvl="1"/>
             <a:r>
-              <a:rPr lang="en-US" smtClean="0"/>
+              <a:rPr lang="en-US"/>
               <a:t>Second level</a:t>
             </a:r>
           </a:p>
           <a:p>
             <a:pPr lvl="2"/>
             <a:r>
-              <a:rPr lang="en-US" smtClean="0"/>
+              <a:rPr lang="en-US"/>
               <a:t>Third level</a:t>
             </a:r>
           </a:p>
           <a:p>
             <a:pPr lvl="3"/>
             <a:r>
-              <a:rPr lang="en-US" smtClean="0"/>
+              <a:rPr lang="en-US"/>
               <a:t>Fourth level</a:t>
             </a:r>
           </a:p>
           <a:p>
             <a:pPr lvl="4"/>
             <a:r>
-              <a:rPr lang="en-US" smtClean="0"/>
+              <a:rPr lang="en-US"/>
               <a:t>Fifth level</a:t>
             </a:r>
-            <a:endParaRPr lang="en-US"/>
           </a:p>
         </p:txBody>
       </p:sp>
@@ -1634,7 +1632,7 @@
           <a:p>
             <a:pPr lvl="0"/>
             <a:r>
-              <a:rPr lang="en-US" smtClean="0"/>
+              <a:rPr lang="en-US"/>
               <a:t>Click to edit Master text styles</a:t>
             </a:r>
           </a:p>
@@ -1690,38 +1688,37 @@
           <a:p>
             <a:pPr lvl="0"/>
             <a:r>
-              <a:rPr lang="en-US" smtClean="0"/>
+              <a:rPr lang="en-US"/>
               <a:t>Click to edit Master text styles</a:t>
             </a:r>
           </a:p>
           <a:p>
             <a:pPr lvl="1"/>
             <a:r>
-              <a:rPr lang="en-US" smtClean="0"/>
+              <a:rPr lang="en-US"/>
               <a:t>Second level</a:t>
             </a:r>
           </a:p>
           <a:p>
             <a:pPr lvl="2"/>
             <a:r>
-              <a:rPr lang="en-US" smtClean="0"/>
+              <a:rPr lang="en-US"/>
               <a:t>Third level</a:t>
             </a:r>
           </a:p>
           <a:p>
             <a:pPr lvl="3"/>
             <a:r>
-              <a:rPr lang="en-US" smtClean="0"/>
+              <a:rPr lang="en-US"/>
               <a:t>Fourth level</a:t>
             </a:r>
           </a:p>
           <a:p>
             <a:pPr lvl="4"/>
             <a:r>
-              <a:rPr lang="en-US" smtClean="0"/>
+              <a:rPr lang="en-US"/>
               <a:t>Fifth level</a:t>
             </a:r>
-            <a:endParaRPr lang="en-US"/>
           </a:p>
         </p:txBody>
       </p:sp>
@@ -1742,7 +1739,7 @@
           <a:p>
             <a:fld id="{A76116CE-C4A3-4A05-B2D7-7C2E9A889C0F}" type="datetimeFigureOut">
               <a:rPr lang="en-US" smtClean="0"/>
-              <a:t>1/30/2017</a:t>
+              <a:t>8/31/2021</a:t>
             </a:fld>
             <a:endParaRPr lang="en-US"/>
           </a:p>
@@ -1831,10 +1828,9 @@
           <a:lstStyle/>
           <a:p>
             <a:r>
-              <a:rPr lang="en-US" smtClean="0"/>
+              <a:rPr lang="en-US"/>
               <a:t>Click to edit Master title style</a:t>
             </a:r>
-            <a:endParaRPr lang="en-US"/>
           </a:p>
         </p:txBody>
       </p:sp>
@@ -1855,7 +1851,7 @@
           <a:p>
             <a:fld id="{A76116CE-C4A3-4A05-B2D7-7C2E9A889C0F}" type="datetimeFigureOut">
               <a:rPr lang="en-US" smtClean="0"/>
-              <a:t>1/30/2017</a:t>
+              <a:t>8/31/2021</a:t>
             </a:fld>
             <a:endParaRPr lang="en-US"/>
           </a:p>
@@ -1945,7 +1941,7 @@
           <a:p>
             <a:fld id="{A76116CE-C4A3-4A05-B2D7-7C2E9A889C0F}" type="datetimeFigureOut">
               <a:rPr lang="en-US" smtClean="0"/>
-              <a:t>1/30/2017</a:t>
+              <a:t>8/31/2021</a:t>
             </a:fld>
             <a:endParaRPr lang="en-US"/>
           </a:p>
@@ -2043,10 +2039,9 @@
           </a:lstStyle>
           <a:p>
             <a:r>
-              <a:rPr lang="en-US" smtClean="0"/>
+              <a:rPr lang="en-US"/>
               <a:t>Click to edit Master title style</a:t>
             </a:r>
-            <a:endParaRPr lang="en-US"/>
           </a:p>
         </p:txBody>
       </p:sp>
@@ -2100,38 +2095,37 @@
           <a:p>
             <a:pPr lvl="0"/>
             <a:r>
-              <a:rPr lang="en-US" smtClean="0"/>
+              <a:rPr lang="en-US"/>
               <a:t>Click to edit Master text styles</a:t>
             </a:r>
           </a:p>
           <a:p>
             <a:pPr lvl="1"/>
             <a:r>
-              <a:rPr lang="en-US" smtClean="0"/>
+              <a:rPr lang="en-US"/>
               <a:t>Second level</a:t>
             </a:r>
           </a:p>
           <a:p>
             <a:pPr lvl="2"/>
             <a:r>
-              <a:rPr lang="en-US" smtClean="0"/>
+              <a:rPr lang="en-US"/>
               <a:t>Third level</a:t>
             </a:r>
           </a:p>
           <a:p>
             <a:pPr lvl="3"/>
             <a:r>
-              <a:rPr lang="en-US" smtClean="0"/>
+              <a:rPr lang="en-US"/>
               <a:t>Fourth level</a:t>
             </a:r>
           </a:p>
           <a:p>
             <a:pPr lvl="4"/>
             <a:r>
-              <a:rPr lang="en-US" smtClean="0"/>
+              <a:rPr lang="en-US"/>
               <a:t>Fifth level</a:t>
             </a:r>
-            <a:endParaRPr lang="en-US"/>
           </a:p>
         </p:txBody>
       </p:sp>
@@ -2194,7 +2188,7 @@
           <a:p>
             <a:pPr lvl="0"/>
             <a:r>
-              <a:rPr lang="en-US" smtClean="0"/>
+              <a:rPr lang="en-US"/>
               <a:t>Click to edit Master text styles</a:t>
             </a:r>
           </a:p>
@@ -2217,7 +2211,7 @@
           <a:p>
             <a:fld id="{A76116CE-C4A3-4A05-B2D7-7C2E9A889C0F}" type="datetimeFigureOut">
               <a:rPr lang="en-US" smtClean="0"/>
-              <a:t>1/30/2017</a:t>
+              <a:t>8/31/2021</a:t>
             </a:fld>
             <a:endParaRPr lang="en-US"/>
           </a:p>
@@ -2315,10 +2309,9 @@
           </a:lstStyle>
           <a:p>
             <a:r>
-              <a:rPr lang="en-US" smtClean="0"/>
+              <a:rPr lang="en-US"/>
               <a:t>Click to edit Master title style</a:t>
             </a:r>
-            <a:endParaRPr lang="en-US"/>
           </a:p>
         </p:txBody>
       </p:sp>
@@ -2442,7 +2435,7 @@
           <a:p>
             <a:pPr lvl="0"/>
             <a:r>
-              <a:rPr lang="en-US" smtClean="0"/>
+              <a:rPr lang="en-US"/>
               <a:t>Click to edit Master text styles</a:t>
             </a:r>
           </a:p>
@@ -2465,7 +2458,7 @@
           <a:p>
             <a:fld id="{A76116CE-C4A3-4A05-B2D7-7C2E9A889C0F}" type="datetimeFigureOut">
               <a:rPr lang="en-US" smtClean="0"/>
-              <a:t>1/30/2017</a:t>
+              <a:t>8/31/2021</a:t>
             </a:fld>
             <a:endParaRPr lang="en-US"/>
           </a:p>
@@ -2569,10 +2562,9 @@
           <a:lstStyle/>
           <a:p>
             <a:r>
-              <a:rPr lang="en-US" smtClean="0"/>
+              <a:rPr lang="en-US"/>
               <a:t>Click to edit Master title style</a:t>
             </a:r>
-            <a:endParaRPr lang="en-US"/>
           </a:p>
         </p:txBody>
       </p:sp>
@@ -2603,38 +2595,37 @@
           <a:p>
             <a:pPr lvl="0"/>
             <a:r>
-              <a:rPr lang="en-US" smtClean="0"/>
+              <a:rPr lang="en-US"/>
               <a:t>Click to edit Master text styles</a:t>
             </a:r>
           </a:p>
           <a:p>
             <a:pPr lvl="1"/>
             <a:r>
-              <a:rPr lang="en-US" smtClean="0"/>
+              <a:rPr lang="en-US"/>
               <a:t>Second level</a:t>
             </a:r>
           </a:p>
           <a:p>
             <a:pPr lvl="2"/>
             <a:r>
-              <a:rPr lang="en-US" smtClean="0"/>
+              <a:rPr lang="en-US"/>
               <a:t>Third level</a:t>
             </a:r>
           </a:p>
           <a:p>
             <a:pPr lvl="3"/>
             <a:r>
-              <a:rPr lang="en-US" smtClean="0"/>
+              <a:rPr lang="en-US"/>
               <a:t>Fourth level</a:t>
             </a:r>
           </a:p>
           <a:p>
             <a:pPr lvl="4"/>
             <a:r>
-              <a:rPr lang="en-US" smtClean="0"/>
+              <a:rPr lang="en-US"/>
               <a:t>Fifth level</a:t>
             </a:r>
-            <a:endParaRPr lang="en-US"/>
           </a:p>
         </p:txBody>
       </p:sp>
@@ -2673,7 +2664,7 @@
           <a:p>
             <a:fld id="{F8166F1F-CE9B-4651-A6AA-CD717754106B}" type="datetimeFigureOut">
               <a:rPr lang="en-US" smtClean="0"/>
-              <a:t>6/13/2013</a:t>
+              <a:t>8/31/2021</a:t>
             </a:fld>
             <a:endParaRPr lang="en-US"/>
           </a:p>
@@ -2751,7 +2742,7 @@
           <a:p>
             <a:fld id="{F7021451-1387-4CA6-816F-3879F97B5CBC}" type="slidenum">
               <a:rPr lang="en-US" smtClean="0"/>
-              <a:t>�#�</a:t>
+              <a:t>‹#›</a:t>
             </a:fld>
             <a:endParaRPr lang="en-US"/>
           </a:p>
@@ -2762,16 +2753,16 @@
   <p:clrMap bg1="lt1" tx1="dk1" bg2="lt2" tx2="dk2" accent1="accent1" accent2="accent2" accent3="accent3" accent4="accent4" accent5="accent5" accent6="accent6" hlink="hlink" folHlink="folHlink"/>
   <p:sldLayoutIdLst>
     <p:sldLayoutId id="2147483649" r:id="rId1"/>
-    <p:sldLayoutId id="2147483650" r:id="rId3"/>
-    <p:sldLayoutId id="2147483651" r:id="rId4"/>
-    <p:sldLayoutId id="2147483652" r:id="rId5"/>
-    <p:sldLayoutId id="2147483653" r:id="rId6"/>
-    <p:sldLayoutId id="2147483654" r:id="rId7"/>
-    <p:sldLayoutId id="2147483655" r:id="rId8"/>
-    <p:sldLayoutId id="2147483656" r:id="rId9"/>
-    <p:sldLayoutId id="2147483657" r:id="rId10"/>
-    <p:sldLayoutId id="2147483658" r:id="rId11"/>
-    <p:sldLayoutId id="2147483659" r:id="rId12"/>
+    <p:sldLayoutId id="2147483650" r:id="rId2"/>
+    <p:sldLayoutId id="2147483651" r:id="rId3"/>
+    <p:sldLayoutId id="2147483652" r:id="rId4"/>
+    <p:sldLayoutId id="2147483653" r:id="rId5"/>
+    <p:sldLayoutId id="2147483654" r:id="rId6"/>
+    <p:sldLayoutId id="2147483655" r:id="rId7"/>
+    <p:sldLayoutId id="2147483656" r:id="rId8"/>
+    <p:sldLayoutId id="2147483657" r:id="rId9"/>
+    <p:sldLayoutId id="2147483658" r:id="rId10"/>
+    <p:sldLayoutId id="2147483659" r:id="rId11"/>
   </p:sldLayoutIdLst>
   <p:txStyles>
     <p:titleStyle>
@@ -3200,7 +3191,7 @@
             <p:nvPr/>
           </p:nvPicPr>
           <p:blipFill>
-            <a:blip r:embed="rId6" cstate="print"/>
+            <a:blip r:embed="rId4" cstate="print"/>
             <a:stretch>
               <a:fillRect/>
             </a:stretch>
@@ -3239,7 +3230,7 @@
             <p:nvPr/>
           </p:nvPicPr>
           <p:blipFill>
-            <a:blip r:embed="rId7" cstate="print"/>
+            <a:blip r:embed="rId6" cstate="print"/>
             <a:stretch>
               <a:fillRect/>
             </a:stretch>
@@ -3264,6 +3255,30 @@
           <p:nvPr/>
         </p:nvPicPr>
         <p:blipFill>
+          <a:blip r:embed="rId7" cstate="print"/>
+          <a:stretch>
+            <a:fillRect/>
+          </a:stretch>
+        </p:blipFill>
+        <p:spPr>
+          <a:xfrm>
+            <a:off x="1085078" y="2086880"/>
+            <a:ext cx="1524023" cy="1367202"/>
+          </a:xfrm>
+          <a:prstGeom prst="rect">
+            <a:avLst/>
+          </a:prstGeom>
+        </p:spPr>
+      </p:pic>
+      <p:pic>
+        <p:nvPicPr>
+          <p:cNvPr id="17" name="Object 16"/>
+          <p:cNvPicPr>
+            <a:picLocks noChangeAspect="1"/>
+          </p:cNvPicPr>
+          <p:nvPr/>
+        </p:nvPicPr>
+        <p:blipFill>
           <a:blip r:embed="rId8" cstate="print"/>
           <a:stretch>
             <a:fillRect/>
@@ -3271,8 +3286,8 @@
         </p:blipFill>
         <p:spPr>
           <a:xfrm>
-            <a:off x="1085078" y="2086880"/>
-            <a:ext cx="1524023" cy="1367202"/>
+            <a:off x="1111744" y="2632544"/>
+            <a:ext cx="5803392" cy="3639579"/>
           </a:xfrm>
           <a:prstGeom prst="rect">
             <a:avLst/>
@@ -3281,7 +3296,7 @@
       </p:pic>
       <p:pic>
         <p:nvPicPr>
-          <p:cNvPr id="17" name="Object 16"/>
+          <p:cNvPr id="18" name="Object 17"/>
           <p:cNvPicPr>
             <a:picLocks noChangeAspect="1"/>
           </p:cNvPicPr>
@@ -3295,30 +3310,6 @@
         </p:blipFill>
         <p:spPr>
           <a:xfrm>
-            <a:off x="1111744" y="2632544"/>
-            <a:ext cx="5803392" cy="3639579"/>
-          </a:xfrm>
-          <a:prstGeom prst="rect">
-            <a:avLst/>
-          </a:prstGeom>
-        </p:spPr>
-      </p:pic>
-      <p:pic>
-        <p:nvPicPr>
-          <p:cNvPr id="18" name="Object 17"/>
-          <p:cNvPicPr>
-            <a:picLocks noChangeAspect="1"/>
-          </p:cNvPicPr>
-          <p:nvPr/>
-        </p:nvPicPr>
-        <p:blipFill>
-          <a:blip r:embed="rId10" cstate="print"/>
-          <a:stretch>
-            <a:fillRect/>
-          </a:stretch>
-        </p:blipFill>
-        <p:spPr>
-          <a:xfrm>
             <a:off x="1118500" y="4375377"/>
             <a:ext cx="5900797" cy="2171701"/>
           </a:xfrm>
@@ -3350,7 +3341,7 @@
             <p:nvPr/>
           </p:nvPicPr>
           <p:blipFill>
-            <a:blip r:embed="rId11" cstate="print"/>
+            <a:blip r:embed="rId10" cstate="print"/>
             <a:stretch>
               <a:fillRect/>
             </a:stretch>
@@ -3389,7 +3380,7 @@
             <p:nvPr/>
           </p:nvPicPr>
           <p:blipFill>
-            <a:blip r:embed="rId12" cstate="print"/>
+            <a:blip r:embed="rId6" cstate="print"/>
             <a:stretch>
               <a:fillRect/>
             </a:stretch>
@@ -3414,7 +3405,7 @@
           <p:nvPr/>
         </p:nvPicPr>
         <p:blipFill>
-          <a:blip r:embed="rId13" cstate="print"/>
+          <a:blip r:embed="rId11" cstate="print"/>
           <a:stretch>
             <a:fillRect/>
           </a:stretch>
@@ -3438,7 +3429,7 @@
           <p:nvPr/>
         </p:nvPicPr>
         <p:blipFill>
-          <a:blip r:embed="rId14" cstate="print"/>
+          <a:blip r:embed="rId12" cstate="print"/>
           <a:stretch>
             <a:fillRect/>
           </a:stretch>
@@ -3462,7 +3453,7 @@
           <p:nvPr/>
         </p:nvPicPr>
         <p:blipFill>
-          <a:blip r:embed="rId15" cstate="print"/>
+          <a:blip r:embed="rId13" cstate="print"/>
           <a:stretch>
             <a:fillRect/>
           </a:stretch>
@@ -3500,7 +3491,7 @@
             <p:nvPr/>
           </p:nvPicPr>
           <p:blipFill>
-            <a:blip r:embed="rId16" cstate="print"/>
+            <a:blip r:embed="rId10" cstate="print"/>
             <a:stretch>
               <a:fillRect/>
             </a:stretch>
@@ -3525,7 +3516,7 @@
           <p:nvPr/>
         </p:nvPicPr>
         <p:blipFill>
-          <a:blip r:embed="rId17" cstate="print"/>
+          <a:blip r:embed="rId14" cstate="print"/>
           <a:stretch>
             <a:fillRect/>
           </a:stretch>
@@ -3549,7 +3540,7 @@
           <p:nvPr/>
         </p:nvPicPr>
         <p:blipFill>
-          <a:blip r:embed="rId18" cstate="print"/>
+          <a:blip r:embed="rId15" cstate="print"/>
           <a:stretch>
             <a:fillRect/>
           </a:stretch>
@@ -3573,7 +3564,7 @@
           <p:nvPr/>
         </p:nvPicPr>
         <p:blipFill>
-          <a:blip r:embed="rId19" cstate="print"/>
+          <a:blip r:embed="rId16" cstate="print"/>
           <a:stretch>
             <a:fillRect/>
           </a:stretch>
@@ -3611,7 +3602,7 @@
             <p:nvPr/>
           </p:nvPicPr>
           <p:blipFill>
-            <a:blip r:embed="rId20" cstate="print"/>
+            <a:blip r:embed="rId17" cstate="print"/>
             <a:stretch>
               <a:fillRect/>
             </a:stretch>
@@ -3650,7 +3641,7 @@
             <p:nvPr/>
           </p:nvPicPr>
           <p:blipFill>
-            <a:blip r:embed="rId21" cstate="print"/>
+            <a:blip r:embed="rId18" cstate="print"/>
             <a:stretch>
               <a:fillRect/>
             </a:stretch>
@@ -3809,7 +3800,7 @@
             <p:nvPr/>
           </p:nvPicPr>
           <p:blipFill>
-            <a:blip r:embed="rId5" cstate="print"/>
+            <a:blip r:embed="rId3" cstate="print"/>
             <a:stretch>
               <a:fillRect/>
             </a:stretch>
@@ -3848,7 +3839,7 @@
             <p:nvPr/>
           </p:nvPicPr>
           <p:blipFill>
-            <a:blip r:embed="rId6" cstate="print"/>
+            <a:blip r:embed="rId5" cstate="print"/>
             <a:stretch>
               <a:fillRect/>
             </a:stretch>
@@ -3873,6 +3864,30 @@
           <p:nvPr/>
         </p:nvPicPr>
         <p:blipFill>
+          <a:blip r:embed="rId6" cstate="print"/>
+          <a:stretch>
+            <a:fillRect/>
+          </a:stretch>
+        </p:blipFill>
+        <p:spPr>
+          <a:xfrm>
+            <a:off x="1085078" y="2086878"/>
+            <a:ext cx="2124261" cy="835978"/>
+          </a:xfrm>
+          <a:prstGeom prst="rect">
+            <a:avLst/>
+          </a:prstGeom>
+        </p:spPr>
+      </p:pic>
+      <p:pic>
+        <p:nvPicPr>
+          <p:cNvPr id="14" name="Object 13"/>
+          <p:cNvPicPr>
+            <a:picLocks noChangeAspect="1"/>
+          </p:cNvPicPr>
+          <p:nvPr/>
+        </p:nvPicPr>
+        <p:blipFill>
           <a:blip r:embed="rId7" cstate="print"/>
           <a:stretch>
             <a:fillRect/>
@@ -3880,8 +3895,8 @@
         </p:blipFill>
         <p:spPr>
           <a:xfrm>
-            <a:off x="1085078" y="2086878"/>
-            <a:ext cx="2124261" cy="835978"/>
+            <a:off x="1111744" y="2632544"/>
+            <a:ext cx="4526733" cy="755201"/>
           </a:xfrm>
           <a:prstGeom prst="rect">
             <a:avLst/>
@@ -3890,7 +3905,7 @@
       </p:pic>
       <p:pic>
         <p:nvPicPr>
-          <p:cNvPr id="14" name="Object 13"/>
+          <p:cNvPr id="15" name="Object 14"/>
           <p:cNvPicPr>
             <a:picLocks noChangeAspect="1"/>
           </p:cNvPicPr>
@@ -3904,30 +3919,6 @@
         </p:blipFill>
         <p:spPr>
           <a:xfrm>
-            <a:off x="1111744" y="2632544"/>
-            <a:ext cx="4526733" cy="755201"/>
-          </a:xfrm>
-          <a:prstGeom prst="rect">
-            <a:avLst/>
-          </a:prstGeom>
-        </p:spPr>
-      </p:pic>
-      <p:pic>
-        <p:nvPicPr>
-          <p:cNvPr id="15" name="Object 14"/>
-          <p:cNvPicPr>
-            <a:picLocks noChangeAspect="1"/>
-          </p:cNvPicPr>
-          <p:nvPr/>
-        </p:nvPicPr>
-        <p:blipFill>
-          <a:blip r:embed="rId9" cstate="print"/>
-          <a:stretch>
-            <a:fillRect/>
-          </a:stretch>
-        </p:blipFill>
-        <p:spPr>
-          <a:xfrm>
             <a:off x="1104125" y="3718915"/>
             <a:ext cx="5491229" cy="2503299"/>
           </a:xfrm>
@@ -3959,7 +3950,7 @@
             <p:nvPr/>
           </p:nvPicPr>
           <p:blipFill>
-            <a:blip r:embed="rId10" cstate="print"/>
+            <a:blip r:embed="rId9" cstate="print"/>
             <a:stretch>
               <a:fillRect/>
             </a:stretch>
@@ -3998,7 +3989,7 @@
             <p:nvPr/>
           </p:nvPicPr>
           <p:blipFill>
-            <a:blip r:embed="rId11" cstate="print"/>
+            <a:blip r:embed="rId5" cstate="print"/>
             <a:stretch>
               <a:fillRect/>
             </a:stretch>
@@ -4023,7 +4014,7 @@
           <p:nvPr/>
         </p:nvPicPr>
         <p:blipFill>
-          <a:blip r:embed="rId12" cstate="print"/>
+          <a:blip r:embed="rId10" cstate="print"/>
           <a:stretch>
             <a:fillRect/>
           </a:stretch>
@@ -4047,7 +4038,7 @@
           <p:nvPr/>
         </p:nvPicPr>
         <p:blipFill>
-          <a:blip r:embed="rId13" cstate="print"/>
+          <a:blip r:embed="rId11" cstate="print"/>
           <a:stretch>
             <a:fillRect/>
           </a:stretch>
@@ -4071,7 +4062,7 @@
           <p:nvPr/>
         </p:nvPicPr>
         <p:blipFill>
-          <a:blip r:embed="rId14" cstate="print"/>
+          <a:blip r:embed="rId12" cstate="print"/>
           <a:stretch>
             <a:fillRect/>
           </a:stretch>
@@ -4109,7 +4100,7 @@
             <p:nvPr/>
           </p:nvPicPr>
           <p:blipFill>
-            <a:blip r:embed="rId15" cstate="print"/>
+            <a:blip r:embed="rId9" cstate="print"/>
             <a:stretch>
               <a:fillRect/>
             </a:stretch>
@@ -4134,7 +4125,7 @@
           <p:nvPr/>
         </p:nvPicPr>
         <p:blipFill>
-          <a:blip r:embed="rId16" cstate="print"/>
+          <a:blip r:embed="rId13" cstate="print"/>
           <a:stretch>
             <a:fillRect/>
           </a:stretch>
@@ -4158,7 +4149,7 @@
           <p:nvPr/>
         </p:nvPicPr>
         <p:blipFill>
-          <a:blip r:embed="rId17" cstate="print"/>
+          <a:blip r:embed="rId14" cstate="print"/>
           <a:stretch>
             <a:fillRect/>
           </a:stretch>
@@ -4182,7 +4173,7 @@
           <p:nvPr/>
         </p:nvPicPr>
         <p:blipFill>
-          <a:blip r:embed="rId18" cstate="print"/>
+          <a:blip r:embed="rId15" cstate="print"/>
           <a:stretch>
             <a:fillRect/>
           </a:stretch>
@@ -4220,7 +4211,7 @@
             <p:nvPr/>
           </p:nvPicPr>
           <p:blipFill>
-            <a:blip r:embed="rId19" cstate="print"/>
+            <a:blip r:embed="rId16" cstate="print"/>
             <a:stretch>
               <a:fillRect/>
             </a:stretch>
@@ -4259,7 +4250,7 @@
             <p:nvPr/>
           </p:nvPicPr>
           <p:blipFill>
-            <a:blip r:embed="rId20" cstate="print"/>
+            <a:blip r:embed="rId17" cstate="print"/>
             <a:stretch>
               <a:fillRect/>
             </a:stretch>
@@ -4268,6 +4259,370 @@
             <a:xfrm>
               <a:off x="10928095" y="6782949"/>
               <a:ext cx="6171429" cy="2620202"/>
+            </a:xfrm>
+            <a:prstGeom prst="rect">
+              <a:avLst/>
+            </a:prstGeom>
+          </p:spPr>
+        </p:pic>
+      </p:grpSp>
+    </p:spTree>
+  </p:cSld>
+  <p:clrMapOvr>
+    <a:masterClrMapping/>
+  </p:clrMapOvr>
+</p:sld>
+</file>
+
+<file path=ppt/slides/slide3.xml><?xml version="1.0" encoding="utf-8"?>
+<p:sld xmlns:a="http://schemas.openxmlformats.org/drawingml/2006/main" xmlns:r="http://schemas.openxmlformats.org/officeDocument/2006/relationships" xmlns:p="http://schemas.openxmlformats.org/presentationml/2006/main">
+  <p:cSld>
+    <p:spTree>
+      <p:nvGrpSpPr>
+        <p:cNvPr id="1" name=""/>
+        <p:cNvGrpSpPr/>
+        <p:nvPr/>
+      </p:nvGrpSpPr>
+      <p:grpSpPr>
+        <a:xfrm>
+          <a:off x="0" y="0"/>
+          <a:ext cx="0" cy="0"/>
+          <a:chOff x="0" y="0"/>
+          <a:chExt cx="0" cy="0"/>
+        </a:xfrm>
+      </p:grpSpPr>
+      <p:grpSp>
+        <p:nvGrpSpPr>
+          <p:cNvPr id="1001" name="그룹 1001"/>
+          <p:cNvGrpSpPr/>
+          <p:nvPr/>
+        </p:nvGrpSpPr>
+        <p:grpSpPr>
+          <a:xfrm>
+            <a:off x="855847" y="930687"/>
+            <a:ext cx="95360" cy="576160"/>
+            <a:chOff x="855847" y="930687"/>
+            <a:chExt cx="95360" cy="576160"/>
+          </a:xfrm>
+        </p:grpSpPr>
+        <p:pic>
+          <p:nvPicPr>
+            <p:cNvPr id="3" name="Object 2"/>
+            <p:cNvPicPr>
+              <a:picLocks noChangeAspect="1"/>
+            </p:cNvPicPr>
+            <p:nvPr/>
+          </p:nvPicPr>
+          <p:blipFill>
+            <a:blip r:embed="rId2" cstate="print"/>
+            <a:stretch>
+              <a:fillRect/>
+            </a:stretch>
+          </p:blipFill>
+          <p:spPr>
+            <a:xfrm>
+              <a:off x="855847" y="930687"/>
+              <a:ext cx="95360" cy="576160"/>
+            </a:xfrm>
+            <a:prstGeom prst="rect">
+              <a:avLst/>
+            </a:prstGeom>
+          </p:spPr>
+        </p:pic>
+      </p:grpSp>
+      <p:pic>
+        <p:nvPicPr>
+          <p:cNvPr id="5" name="Object 4"/>
+          <p:cNvPicPr>
+            <a:picLocks noChangeAspect="1"/>
+          </p:cNvPicPr>
+          <p:nvPr/>
+        </p:nvPicPr>
+        <p:blipFill>
+          <a:blip r:embed="rId3" cstate="print"/>
+          <a:stretch>
+            <a:fillRect/>
+          </a:stretch>
+        </p:blipFill>
+        <p:spPr>
+          <a:xfrm>
+            <a:off x="1058412" y="743858"/>
+            <a:ext cx="1460810" cy="1092961"/>
+          </a:xfrm>
+          <a:prstGeom prst="rect">
+            <a:avLst/>
+          </a:prstGeom>
+        </p:spPr>
+      </p:pic>
+      <p:pic>
+        <p:nvPicPr>
+          <p:cNvPr id="6" name="Object 5"/>
+          <p:cNvPicPr>
+            <a:picLocks noChangeAspect="1"/>
+          </p:cNvPicPr>
+          <p:nvPr/>
+        </p:nvPicPr>
+        <p:blipFill>
+          <a:blip r:embed="rId4" cstate="print"/>
+          <a:stretch>
+            <a:fillRect/>
+          </a:stretch>
+        </p:blipFill>
+        <p:spPr>
+          <a:xfrm>
+            <a:off x="6569990" y="1577393"/>
+            <a:ext cx="4402613" cy="835978"/>
+          </a:xfrm>
+          <a:prstGeom prst="rect">
+            <a:avLst/>
+          </a:prstGeom>
+        </p:spPr>
+      </p:pic>
+      <p:pic>
+        <p:nvPicPr>
+          <p:cNvPr id="7" name="Object 6"/>
+          <p:cNvPicPr>
+            <a:picLocks noChangeAspect="1"/>
+          </p:cNvPicPr>
+          <p:nvPr/>
+        </p:nvPicPr>
+        <p:blipFill>
+          <a:blip r:embed="rId5" cstate="print"/>
+          <a:stretch>
+            <a:fillRect/>
+          </a:stretch>
+        </p:blipFill>
+        <p:spPr>
+          <a:xfrm>
+            <a:off x="3135115" y="2186963"/>
+            <a:ext cx="8872392" cy="820322"/>
+          </a:xfrm>
+          <a:prstGeom prst="rect">
+            <a:avLst/>
+          </a:prstGeom>
+        </p:spPr>
+      </p:pic>
+      <p:grpSp>
+        <p:nvGrpSpPr>
+          <p:cNvPr id="1002" name="그룹 1002"/>
+          <p:cNvGrpSpPr/>
+          <p:nvPr/>
+        </p:nvGrpSpPr>
+        <p:grpSpPr>
+          <a:xfrm>
+            <a:off x="-2562" y="3222120"/>
+            <a:ext cx="18290839" cy="7063594"/>
+            <a:chOff x="-2562" y="3222120"/>
+            <a:chExt cx="18290839" cy="7063594"/>
+          </a:xfrm>
+        </p:grpSpPr>
+        <p:pic>
+          <p:nvPicPr>
+            <p:cNvPr id="9" name="Object 8"/>
+            <p:cNvPicPr>
+              <a:picLocks noChangeAspect="1"/>
+            </p:cNvPicPr>
+            <p:nvPr/>
+          </p:nvPicPr>
+          <p:blipFill>
+            <a:blip r:embed="rId6" cstate="print"/>
+            <a:stretch>
+              <a:fillRect/>
+            </a:stretch>
+          </p:blipFill>
+          <p:spPr>
+            <a:xfrm>
+              <a:off x="-2562" y="3222120"/>
+              <a:ext cx="18290839" cy="7063594"/>
+            </a:xfrm>
+            <a:prstGeom prst="rect">
+              <a:avLst/>
+            </a:prstGeom>
+          </p:spPr>
+        </p:pic>
+      </p:grpSp>
+      <p:pic>
+        <p:nvPicPr>
+          <p:cNvPr id="11" name="Object 10"/>
+          <p:cNvPicPr>
+            <a:picLocks noChangeAspect="1"/>
+          </p:cNvPicPr>
+          <p:nvPr/>
+        </p:nvPicPr>
+        <p:blipFill>
+          <a:blip r:embed="rId7" cstate="print"/>
+          <a:stretch>
+            <a:fillRect/>
+          </a:stretch>
+        </p:blipFill>
+        <p:spPr>
+          <a:xfrm>
+            <a:off x="9877906" y="5302335"/>
+            <a:ext cx="2452008" cy="835978"/>
+          </a:xfrm>
+          <a:prstGeom prst="rect">
+            <a:avLst/>
+          </a:prstGeom>
+        </p:spPr>
+      </p:pic>
+      <p:pic>
+        <p:nvPicPr>
+          <p:cNvPr id="12" name="Object 11"/>
+          <p:cNvPicPr>
+            <a:picLocks noChangeAspect="1"/>
+          </p:cNvPicPr>
+          <p:nvPr/>
+        </p:nvPicPr>
+        <p:blipFill>
+          <a:blip r:embed="rId8" cstate="print"/>
+          <a:stretch>
+            <a:fillRect/>
+          </a:stretch>
+        </p:blipFill>
+        <p:spPr>
+          <a:xfrm>
+            <a:off x="9900763" y="6995610"/>
+            <a:ext cx="7711708" cy="2455939"/>
+          </a:xfrm>
+          <a:prstGeom prst="rect">
+            <a:avLst/>
+          </a:prstGeom>
+        </p:spPr>
+      </p:pic>
+      <p:grpSp>
+        <p:nvGrpSpPr>
+          <p:cNvPr id="1003" name="그룹 1003"/>
+          <p:cNvGrpSpPr/>
+          <p:nvPr/>
+        </p:nvGrpSpPr>
+        <p:grpSpPr>
+          <a:xfrm>
+            <a:off x="9935020" y="6009139"/>
+            <a:ext cx="3648920" cy="518179"/>
+            <a:chOff x="9935020" y="6009139"/>
+            <a:chExt cx="3648920" cy="518179"/>
+          </a:xfrm>
+        </p:grpSpPr>
+        <p:pic>
+          <p:nvPicPr>
+            <p:cNvPr id="14" name="Object 13"/>
+            <p:cNvPicPr>
+              <a:picLocks noChangeAspect="1"/>
+            </p:cNvPicPr>
+            <p:nvPr/>
+          </p:nvPicPr>
+          <p:blipFill>
+            <a:blip r:embed="rId9" cstate="print"/>
+            <a:stretch>
+              <a:fillRect/>
+            </a:stretch>
+          </p:blipFill>
+          <p:spPr>
+            <a:xfrm>
+              <a:off x="9935020" y="6009139"/>
+              <a:ext cx="3648920" cy="518179"/>
+            </a:xfrm>
+            <a:prstGeom prst="rect">
+              <a:avLst/>
+            </a:prstGeom>
+          </p:spPr>
+        </p:pic>
+      </p:grpSp>
+      <p:pic>
+        <p:nvPicPr>
+          <p:cNvPr id="16" name="Object 15"/>
+          <p:cNvPicPr>
+            <a:picLocks noChangeAspect="1"/>
+          </p:cNvPicPr>
+          <p:nvPr/>
+        </p:nvPicPr>
+        <p:blipFill>
+          <a:blip r:embed="rId10" cstate="print"/>
+          <a:stretch>
+            <a:fillRect/>
+          </a:stretch>
+        </p:blipFill>
+        <p:spPr>
+          <a:xfrm>
+            <a:off x="10182668" y="6052363"/>
+            <a:ext cx="2653905" cy="557319"/>
+          </a:xfrm>
+          <a:prstGeom prst="rect">
+            <a:avLst/>
+          </a:prstGeom>
+        </p:spPr>
+      </p:pic>
+      <p:grpSp>
+        <p:nvGrpSpPr>
+          <p:cNvPr id="1004" name="그룹 1004"/>
+          <p:cNvGrpSpPr/>
+          <p:nvPr/>
+        </p:nvGrpSpPr>
+        <p:grpSpPr>
+          <a:xfrm>
+            <a:off x="1058411" y="7221601"/>
+            <a:ext cx="8576192" cy="2455940"/>
+            <a:chOff x="214112" y="7221600"/>
+            <a:chExt cx="9420491" cy="2835605"/>
+          </a:xfrm>
+        </p:grpSpPr>
+        <p:pic>
+          <p:nvPicPr>
+            <p:cNvPr id="18" name="Object 17"/>
+            <p:cNvPicPr>
+              <a:picLocks noChangeAspect="1"/>
+            </p:cNvPicPr>
+            <p:nvPr/>
+          </p:nvPicPr>
+          <p:blipFill>
+            <a:blip r:embed="rId11" cstate="print"/>
+            <a:stretch>
+              <a:fillRect/>
+            </a:stretch>
+          </p:blipFill>
+          <p:spPr>
+            <a:xfrm>
+              <a:off x="214112" y="7221600"/>
+              <a:ext cx="9420491" cy="2835605"/>
+            </a:xfrm>
+            <a:prstGeom prst="rect">
+              <a:avLst/>
+            </a:prstGeom>
+          </p:spPr>
+        </p:pic>
+      </p:grpSp>
+      <p:grpSp>
+        <p:nvGrpSpPr>
+          <p:cNvPr id="1005" name="그룹 1005"/>
+          <p:cNvGrpSpPr/>
+          <p:nvPr/>
+        </p:nvGrpSpPr>
+        <p:grpSpPr>
+          <a:xfrm>
+            <a:off x="1058411" y="4384336"/>
+            <a:ext cx="8638397" cy="2384327"/>
+            <a:chOff x="151907" y="4384336"/>
+            <a:chExt cx="9544902" cy="2384327"/>
+          </a:xfrm>
+        </p:grpSpPr>
+        <p:pic>
+          <p:nvPicPr>
+            <p:cNvPr id="21" name="Object 20"/>
+            <p:cNvPicPr>
+              <a:picLocks noChangeAspect="1"/>
+            </p:cNvPicPr>
+            <p:nvPr/>
+          </p:nvPicPr>
+          <p:blipFill>
+            <a:blip r:embed="rId12" cstate="print"/>
+            <a:stretch>
+              <a:fillRect/>
+            </a:stretch>
+          </p:blipFill>
+          <p:spPr>
+            <a:xfrm>
+              <a:off x="151907" y="4384336"/>
+              <a:ext cx="9544902" cy="2384327"/>
             </a:xfrm>
             <a:prstGeom prst="rect">
               <a:avLst/>
